--- a/Sprint 1/Sprint 1.pptx
+++ b/Sprint 1/Sprint 1.pptx
@@ -112,7 +112,953 @@
       </a:defRPr>
     </a:lvl9pPr>
   </p:defaultTextStyle>
+  <p:extLst>
+    <p:ext uri="{EFAFB233-063F-42B5-8137-9DF3F51BA10A}">
+      <p15:sldGuideLst xmlns:p15="http://schemas.microsoft.com/office/powerpoint/2012/main"/>
+    </p:ext>
+  </p:extLst>
 </p:presentation>
+</file>
+
+<file path=ppt/charts/chart1.xml><?xml version="1.0" encoding="utf-8"?>
+<c:chartSpace xmlns:c="http://schemas.openxmlformats.org/drawingml/2006/chart" xmlns:a="http://schemas.openxmlformats.org/drawingml/2006/main" xmlns:r="http://schemas.openxmlformats.org/officeDocument/2006/relationships">
+  <c:date1904 val="0"/>
+  <c:lang val="es-ES"/>
+  <c:roundedCorners val="0"/>
+  <mc:AlternateContent xmlns:mc="http://schemas.openxmlformats.org/markup-compatibility/2006">
+    <mc:Choice xmlns:c14="http://schemas.microsoft.com/office/drawing/2007/8/2/chart" Requires="c14">
+      <c14:style val="102"/>
+    </mc:Choice>
+    <mc:Fallback>
+      <c:style val="2"/>
+    </mc:Fallback>
+  </mc:AlternateContent>
+  <c:chart>
+    <c:title>
+      <c:tx>
+        <c:rich>
+          <a:bodyPr rot="0" spcFirstLastPara="1" vertOverflow="ellipsis" vert="horz" wrap="square" anchor="ctr" anchorCtr="1"/>
+          <a:lstStyle/>
+          <a:p>
+            <a:pPr>
+              <a:defRPr sz="1400" b="0" i="0" u="none" strike="noStrike" kern="1200" spc="0" baseline="0">
+                <a:solidFill>
+                  <a:schemeClr val="tx1">
+                    <a:lumMod val="65000"/>
+                    <a:lumOff val="35000"/>
+                  </a:schemeClr>
+                </a:solidFill>
+                <a:latin typeface="+mn-lt"/>
+                <a:ea typeface="+mn-ea"/>
+                <a:cs typeface="+mn-cs"/>
+              </a:defRPr>
+            </a:pPr>
+            <a:r>
+              <a:rPr lang="es-ES"/>
+              <a:t>Sprint</a:t>
+            </a:r>
+            <a:r>
+              <a:rPr lang="es-ES" baseline="0"/>
+              <a:t> 1</a:t>
+            </a:r>
+            <a:endParaRPr lang="es-ES"/>
+          </a:p>
+        </c:rich>
+      </c:tx>
+      <c:layout/>
+      <c:overlay val="0"/>
+      <c:spPr>
+        <a:noFill/>
+        <a:ln>
+          <a:noFill/>
+        </a:ln>
+        <a:effectLst/>
+      </c:spPr>
+      <c:txPr>
+        <a:bodyPr rot="0" spcFirstLastPara="1" vertOverflow="ellipsis" vert="horz" wrap="square" anchor="ctr" anchorCtr="1"/>
+        <a:lstStyle/>
+        <a:p>
+          <a:pPr>
+            <a:defRPr sz="1400" b="0" i="0" u="none" strike="noStrike" kern="1200" spc="0" baseline="0">
+              <a:solidFill>
+                <a:schemeClr val="tx1">
+                  <a:lumMod val="65000"/>
+                  <a:lumOff val="35000"/>
+                </a:schemeClr>
+              </a:solidFill>
+              <a:latin typeface="+mn-lt"/>
+              <a:ea typeface="+mn-ea"/>
+              <a:cs typeface="+mn-cs"/>
+            </a:defRPr>
+          </a:pPr>
+          <a:endParaRPr lang="es-ES"/>
+        </a:p>
+      </c:txPr>
+    </c:title>
+    <c:autoTitleDeleted val="0"/>
+    <c:plotArea>
+      <c:layout/>
+      <c:lineChart>
+        <c:grouping val="standard"/>
+        <c:varyColors val="0"/>
+        <c:ser>
+          <c:idx val="0"/>
+          <c:order val="0"/>
+          <c:spPr>
+            <a:ln w="28575" cap="rnd">
+              <a:solidFill>
+                <a:schemeClr val="accent1"/>
+              </a:solidFill>
+              <a:round/>
+            </a:ln>
+            <a:effectLst/>
+          </c:spPr>
+          <c:marker>
+            <c:symbol val="none"/>
+          </c:marker>
+          <c:val>
+            <c:numRef>
+              <c:f>Hoja1!$C$9:$M$9</c:f>
+              <c:numCache>
+                <c:formatCode>General</c:formatCode>
+                <c:ptCount val="11"/>
+                <c:pt idx="0">
+                  <c:v>50</c:v>
+                </c:pt>
+                <c:pt idx="1">
+                  <c:v>45.5</c:v>
+                </c:pt>
+                <c:pt idx="2">
+                  <c:v>42.5</c:v>
+                </c:pt>
+                <c:pt idx="3">
+                  <c:v>39.5</c:v>
+                </c:pt>
+                <c:pt idx="4">
+                  <c:v>34.5</c:v>
+                </c:pt>
+                <c:pt idx="5">
+                  <c:v>29.5</c:v>
+                </c:pt>
+                <c:pt idx="6">
+                  <c:v>25.5</c:v>
+                </c:pt>
+                <c:pt idx="7">
+                  <c:v>20.5</c:v>
+                </c:pt>
+                <c:pt idx="8">
+                  <c:v>15</c:v>
+                </c:pt>
+                <c:pt idx="9">
+                  <c:v>3</c:v>
+                </c:pt>
+                <c:pt idx="10">
+                  <c:v>0</c:v>
+                </c:pt>
+              </c:numCache>
+            </c:numRef>
+          </c:val>
+          <c:smooth val="0"/>
+        </c:ser>
+        <c:ser>
+          <c:idx val="1"/>
+          <c:order val="1"/>
+          <c:spPr>
+            <a:ln w="28575" cap="rnd">
+              <a:solidFill>
+                <a:schemeClr val="accent2"/>
+              </a:solidFill>
+              <a:round/>
+            </a:ln>
+            <a:effectLst/>
+          </c:spPr>
+          <c:marker>
+            <c:symbol val="none"/>
+          </c:marker>
+          <c:val>
+            <c:numRef>
+              <c:f>Hoja1!$C$10:$M$10</c:f>
+              <c:numCache>
+                <c:formatCode>General</c:formatCode>
+                <c:ptCount val="11"/>
+                <c:pt idx="0">
+                  <c:v>50</c:v>
+                </c:pt>
+                <c:pt idx="1">
+                  <c:v>45</c:v>
+                </c:pt>
+                <c:pt idx="2">
+                  <c:v>40</c:v>
+                </c:pt>
+                <c:pt idx="3">
+                  <c:v>35</c:v>
+                </c:pt>
+                <c:pt idx="4">
+                  <c:v>30</c:v>
+                </c:pt>
+                <c:pt idx="5">
+                  <c:v>25</c:v>
+                </c:pt>
+                <c:pt idx="6">
+                  <c:v>20</c:v>
+                </c:pt>
+                <c:pt idx="7">
+                  <c:v>15</c:v>
+                </c:pt>
+                <c:pt idx="8">
+                  <c:v>10</c:v>
+                </c:pt>
+                <c:pt idx="9">
+                  <c:v>5</c:v>
+                </c:pt>
+                <c:pt idx="10">
+                  <c:v>0</c:v>
+                </c:pt>
+              </c:numCache>
+            </c:numRef>
+          </c:val>
+          <c:smooth val="0"/>
+        </c:ser>
+        <c:dLbls>
+          <c:showLegendKey val="0"/>
+          <c:showVal val="0"/>
+          <c:showCatName val="0"/>
+          <c:showSerName val="0"/>
+          <c:showPercent val="0"/>
+          <c:showBubbleSize val="0"/>
+        </c:dLbls>
+        <c:smooth val="0"/>
+        <c:axId val="1920102704"/>
+        <c:axId val="1920091824"/>
+      </c:lineChart>
+      <c:catAx>
+        <c:axId val="1920102704"/>
+        <c:scaling>
+          <c:orientation val="minMax"/>
+        </c:scaling>
+        <c:delete val="0"/>
+        <c:axPos val="b"/>
+        <c:majorTickMark val="none"/>
+        <c:minorTickMark val="none"/>
+        <c:tickLblPos val="nextTo"/>
+        <c:spPr>
+          <a:noFill/>
+          <a:ln w="9525" cap="flat" cmpd="sng" algn="ctr">
+            <a:solidFill>
+              <a:schemeClr val="tx1">
+                <a:lumMod val="15000"/>
+                <a:lumOff val="85000"/>
+              </a:schemeClr>
+            </a:solidFill>
+            <a:round/>
+          </a:ln>
+          <a:effectLst/>
+        </c:spPr>
+        <c:txPr>
+          <a:bodyPr rot="-60000000" spcFirstLastPara="1" vertOverflow="ellipsis" vert="horz" wrap="square" anchor="ctr" anchorCtr="1"/>
+          <a:lstStyle/>
+          <a:p>
+            <a:pPr>
+              <a:defRPr sz="900" b="0" i="0" u="none" strike="noStrike" kern="1200" baseline="0">
+                <a:solidFill>
+                  <a:schemeClr val="tx1">
+                    <a:lumMod val="65000"/>
+                    <a:lumOff val="35000"/>
+                  </a:schemeClr>
+                </a:solidFill>
+                <a:latin typeface="+mn-lt"/>
+                <a:ea typeface="+mn-ea"/>
+                <a:cs typeface="+mn-cs"/>
+              </a:defRPr>
+            </a:pPr>
+            <a:endParaRPr lang="es-ES"/>
+          </a:p>
+        </c:txPr>
+        <c:crossAx val="1920091824"/>
+        <c:crosses val="autoZero"/>
+        <c:auto val="1"/>
+        <c:lblAlgn val="ctr"/>
+        <c:lblOffset val="100"/>
+        <c:noMultiLvlLbl val="0"/>
+      </c:catAx>
+      <c:valAx>
+        <c:axId val="1920091824"/>
+        <c:scaling>
+          <c:orientation val="minMax"/>
+          <c:max val="50"/>
+        </c:scaling>
+        <c:delete val="0"/>
+        <c:axPos val="l"/>
+        <c:majorGridlines>
+          <c:spPr>
+            <a:ln w="9525" cap="flat" cmpd="sng" algn="ctr">
+              <a:solidFill>
+                <a:schemeClr val="tx1">
+                  <a:lumMod val="15000"/>
+                  <a:lumOff val="85000"/>
+                </a:schemeClr>
+              </a:solidFill>
+              <a:round/>
+            </a:ln>
+            <a:effectLst/>
+          </c:spPr>
+        </c:majorGridlines>
+        <c:numFmt formatCode="General" sourceLinked="1"/>
+        <c:majorTickMark val="none"/>
+        <c:minorTickMark val="none"/>
+        <c:tickLblPos val="nextTo"/>
+        <c:spPr>
+          <a:noFill/>
+          <a:ln>
+            <a:noFill/>
+          </a:ln>
+          <a:effectLst/>
+        </c:spPr>
+        <c:txPr>
+          <a:bodyPr rot="-60000000" spcFirstLastPara="1" vertOverflow="ellipsis" vert="horz" wrap="square" anchor="ctr" anchorCtr="1"/>
+          <a:lstStyle/>
+          <a:p>
+            <a:pPr>
+              <a:defRPr sz="900" b="0" i="0" u="none" strike="noStrike" kern="1200" baseline="0">
+                <a:solidFill>
+                  <a:schemeClr val="tx1">
+                    <a:lumMod val="65000"/>
+                    <a:lumOff val="35000"/>
+                  </a:schemeClr>
+                </a:solidFill>
+                <a:latin typeface="+mn-lt"/>
+                <a:ea typeface="+mn-ea"/>
+                <a:cs typeface="+mn-cs"/>
+              </a:defRPr>
+            </a:pPr>
+            <a:endParaRPr lang="es-ES"/>
+          </a:p>
+        </c:txPr>
+        <c:crossAx val="1920102704"/>
+        <c:crosses val="autoZero"/>
+        <c:crossBetween val="between"/>
+      </c:valAx>
+      <c:spPr>
+        <a:noFill/>
+        <a:ln>
+          <a:noFill/>
+        </a:ln>
+        <a:effectLst/>
+      </c:spPr>
+    </c:plotArea>
+    <c:legend>
+      <c:legendPos val="b"/>
+      <c:layout/>
+      <c:overlay val="0"/>
+      <c:spPr>
+        <a:noFill/>
+        <a:ln>
+          <a:noFill/>
+        </a:ln>
+        <a:effectLst/>
+      </c:spPr>
+      <c:txPr>
+        <a:bodyPr rot="0" spcFirstLastPara="1" vertOverflow="ellipsis" vert="horz" wrap="square" anchor="ctr" anchorCtr="1"/>
+        <a:lstStyle/>
+        <a:p>
+          <a:pPr>
+            <a:defRPr sz="900" b="0" i="0" u="none" strike="noStrike" kern="1200" baseline="0">
+              <a:solidFill>
+                <a:schemeClr val="tx1">
+                  <a:lumMod val="65000"/>
+                  <a:lumOff val="35000"/>
+                </a:schemeClr>
+              </a:solidFill>
+              <a:latin typeface="+mn-lt"/>
+              <a:ea typeface="+mn-ea"/>
+              <a:cs typeface="+mn-cs"/>
+            </a:defRPr>
+          </a:pPr>
+          <a:endParaRPr lang="es-ES"/>
+        </a:p>
+      </c:txPr>
+    </c:legend>
+    <c:plotVisOnly val="1"/>
+    <c:dispBlanksAs val="gap"/>
+    <c:showDLblsOverMax val="0"/>
+  </c:chart>
+  <c:spPr>
+    <a:noFill/>
+    <a:ln>
+      <a:noFill/>
+    </a:ln>
+    <a:effectLst/>
+  </c:spPr>
+  <c:txPr>
+    <a:bodyPr/>
+    <a:lstStyle/>
+    <a:p>
+      <a:pPr>
+        <a:defRPr/>
+      </a:pPr>
+      <a:endParaRPr lang="es-ES"/>
+    </a:p>
+  </c:txPr>
+  <c:externalData r:id="rId3">
+    <c:autoUpdate val="0"/>
+  </c:externalData>
+</c:chartSpace>
+</file>
+
+<file path=ppt/charts/colors1.xml><?xml version="1.0" encoding="utf-8"?>
+<cs:colorStyle xmlns:cs="http://schemas.microsoft.com/office/drawing/2012/chartStyle" xmlns:a="http://schemas.openxmlformats.org/drawingml/2006/main" meth="cycle" id="10">
+  <a:schemeClr val="accent1"/>
+  <a:schemeClr val="accent2"/>
+  <a:schemeClr val="accent3"/>
+  <a:schemeClr val="accent4"/>
+  <a:schemeClr val="accent5"/>
+  <a:schemeClr val="accent6"/>
+  <cs:variation/>
+  <cs:variation>
+    <a:lumMod val="60000"/>
+  </cs:variation>
+  <cs:variation>
+    <a:lumMod val="80000"/>
+    <a:lumOff val="20000"/>
+  </cs:variation>
+  <cs:variation>
+    <a:lumMod val="80000"/>
+  </cs:variation>
+  <cs:variation>
+    <a:lumMod val="60000"/>
+    <a:lumOff val="40000"/>
+  </cs:variation>
+  <cs:variation>
+    <a:lumMod val="50000"/>
+  </cs:variation>
+  <cs:variation>
+    <a:lumMod val="70000"/>
+    <a:lumOff val="30000"/>
+  </cs:variation>
+  <cs:variation>
+    <a:lumMod val="70000"/>
+  </cs:variation>
+  <cs:variation>
+    <a:lumMod val="50000"/>
+    <a:lumOff val="50000"/>
+  </cs:variation>
+</cs:colorStyle>
+</file>
+
+<file path=ppt/charts/style1.xml><?xml version="1.0" encoding="utf-8"?>
+<cs:chartStyle xmlns:cs="http://schemas.microsoft.com/office/drawing/2012/chartStyle" xmlns:a="http://schemas.openxmlformats.org/drawingml/2006/main" id="227">
+  <cs:axisTitle>
+    <cs:lnRef idx="0"/>
+    <cs:fillRef idx="0"/>
+    <cs:effectRef idx="0"/>
+    <cs:fontRef idx="minor">
+      <a:schemeClr val="tx1">
+        <a:lumMod val="65000"/>
+        <a:lumOff val="35000"/>
+      </a:schemeClr>
+    </cs:fontRef>
+    <cs:defRPr sz="1000" kern="1200"/>
+  </cs:axisTitle>
+  <cs:categoryAxis>
+    <cs:lnRef idx="0"/>
+    <cs:fillRef idx="0"/>
+    <cs:effectRef idx="0"/>
+    <cs:fontRef idx="minor">
+      <a:schemeClr val="tx1">
+        <a:lumMod val="65000"/>
+        <a:lumOff val="35000"/>
+      </a:schemeClr>
+    </cs:fontRef>
+    <cs:spPr>
+      <a:ln w="9525" cap="flat" cmpd="sng" algn="ctr">
+        <a:solidFill>
+          <a:schemeClr val="tx1">
+            <a:lumMod val="15000"/>
+            <a:lumOff val="85000"/>
+          </a:schemeClr>
+        </a:solidFill>
+        <a:round/>
+      </a:ln>
+    </cs:spPr>
+    <cs:defRPr sz="900" kern="1200"/>
+  </cs:categoryAxis>
+  <cs:chartArea mods="allowNoFillOverride allowNoLineOverride">
+    <cs:lnRef idx="0"/>
+    <cs:fillRef idx="0"/>
+    <cs:effectRef idx="0"/>
+    <cs:fontRef idx="minor">
+      <a:schemeClr val="tx1"/>
+    </cs:fontRef>
+    <cs:spPr>
+      <a:solidFill>
+        <a:schemeClr val="bg1"/>
+      </a:solidFill>
+      <a:ln w="9525" cap="flat" cmpd="sng" algn="ctr">
+        <a:solidFill>
+          <a:schemeClr val="tx1">
+            <a:lumMod val="15000"/>
+            <a:lumOff val="85000"/>
+          </a:schemeClr>
+        </a:solidFill>
+        <a:round/>
+      </a:ln>
+    </cs:spPr>
+    <cs:defRPr sz="1000" kern="1200"/>
+  </cs:chartArea>
+  <cs:dataLabel>
+    <cs:lnRef idx="0"/>
+    <cs:fillRef idx="0"/>
+    <cs:effectRef idx="0"/>
+    <cs:fontRef idx="minor">
+      <a:schemeClr val="tx1">
+        <a:lumMod val="75000"/>
+        <a:lumOff val="25000"/>
+      </a:schemeClr>
+    </cs:fontRef>
+    <cs:defRPr sz="900" kern="1200"/>
+  </cs:dataLabel>
+  <cs:dataLabelCallout>
+    <cs:lnRef idx="0"/>
+    <cs:fillRef idx="0"/>
+    <cs:effectRef idx="0"/>
+    <cs:fontRef idx="minor">
+      <a:schemeClr val="dk1">
+        <a:lumMod val="65000"/>
+        <a:lumOff val="35000"/>
+      </a:schemeClr>
+    </cs:fontRef>
+    <cs:spPr>
+      <a:solidFill>
+        <a:schemeClr val="lt1"/>
+      </a:solidFill>
+      <a:ln>
+        <a:solidFill>
+          <a:schemeClr val="dk1">
+            <a:lumMod val="25000"/>
+            <a:lumOff val="75000"/>
+          </a:schemeClr>
+        </a:solidFill>
+      </a:ln>
+    </cs:spPr>
+    <cs:defRPr sz="900" kern="1200"/>
+    <cs:bodyPr rot="0" spcFirstLastPara="1" vertOverflow="clip" horzOverflow="clip" vert="horz" wrap="square" lIns="36576" tIns="18288" rIns="36576" bIns="18288" anchor="ctr" anchorCtr="1">
+      <a:spAutoFit/>
+    </cs:bodyPr>
+  </cs:dataLabelCallout>
+  <cs:dataPoint>
+    <cs:lnRef idx="0"/>
+    <cs:fillRef idx="1">
+      <cs:styleClr val="auto"/>
+    </cs:fillRef>
+    <cs:effectRef idx="0"/>
+    <cs:fontRef idx="minor">
+      <a:schemeClr val="tx1"/>
+    </cs:fontRef>
+    <cs:spPr>
+      <a:solidFill>
+        <a:schemeClr val="phClr"/>
+      </a:solidFill>
+    </cs:spPr>
+  </cs:dataPoint>
+  <cs:dataPoint3D>
+    <cs:lnRef idx="0"/>
+    <cs:fillRef idx="1">
+      <cs:styleClr val="auto"/>
+    </cs:fillRef>
+    <cs:effectRef idx="0"/>
+    <cs:fontRef idx="minor">
+      <a:schemeClr val="tx1"/>
+    </cs:fontRef>
+    <cs:spPr>
+      <a:solidFill>
+        <a:schemeClr val="phClr"/>
+      </a:solidFill>
+    </cs:spPr>
+  </cs:dataPoint3D>
+  <cs:dataPointLine>
+    <cs:lnRef idx="0">
+      <cs:styleClr val="auto"/>
+    </cs:lnRef>
+    <cs:fillRef idx="1"/>
+    <cs:effectRef idx="0"/>
+    <cs:fontRef idx="minor">
+      <a:schemeClr val="tx1"/>
+    </cs:fontRef>
+    <cs:spPr>
+      <a:ln w="28575" cap="rnd">
+        <a:solidFill>
+          <a:schemeClr val="phClr"/>
+        </a:solidFill>
+        <a:round/>
+      </a:ln>
+    </cs:spPr>
+  </cs:dataPointLine>
+  <cs:dataPointMarker>
+    <cs:lnRef idx="0">
+      <cs:styleClr val="auto"/>
+    </cs:lnRef>
+    <cs:fillRef idx="1">
+      <cs:styleClr val="auto"/>
+    </cs:fillRef>
+    <cs:effectRef idx="0"/>
+    <cs:fontRef idx="minor">
+      <a:schemeClr val="tx1"/>
+    </cs:fontRef>
+    <cs:spPr>
+      <a:solidFill>
+        <a:schemeClr val="phClr"/>
+      </a:solidFill>
+      <a:ln w="9525">
+        <a:solidFill>
+          <a:schemeClr val="phClr"/>
+        </a:solidFill>
+      </a:ln>
+    </cs:spPr>
+  </cs:dataPointMarker>
+  <cs:dataPointMarkerLayout symbol="circle" size="5"/>
+  <cs:dataPointWireframe>
+    <cs:lnRef idx="0">
+      <cs:styleClr val="auto"/>
+    </cs:lnRef>
+    <cs:fillRef idx="1"/>
+    <cs:effectRef idx="0"/>
+    <cs:fontRef idx="minor">
+      <a:schemeClr val="tx1"/>
+    </cs:fontRef>
+    <cs:spPr>
+      <a:ln w="9525" cap="rnd">
+        <a:solidFill>
+          <a:schemeClr val="phClr"/>
+        </a:solidFill>
+        <a:round/>
+      </a:ln>
+    </cs:spPr>
+  </cs:dataPointWireframe>
+  <cs:dataTable>
+    <cs:lnRef idx="0"/>
+    <cs:fillRef idx="0"/>
+    <cs:effectRef idx="0"/>
+    <cs:fontRef idx="minor">
+      <a:schemeClr val="tx1">
+        <a:lumMod val="65000"/>
+        <a:lumOff val="35000"/>
+      </a:schemeClr>
+    </cs:fontRef>
+    <cs:spPr>
+      <a:noFill/>
+      <a:ln w="9525" cap="flat" cmpd="sng" algn="ctr">
+        <a:solidFill>
+          <a:schemeClr val="tx1">
+            <a:lumMod val="15000"/>
+            <a:lumOff val="85000"/>
+          </a:schemeClr>
+        </a:solidFill>
+        <a:round/>
+      </a:ln>
+    </cs:spPr>
+    <cs:defRPr sz="900" kern="1200"/>
+  </cs:dataTable>
+  <cs:downBar>
+    <cs:lnRef idx="0"/>
+    <cs:fillRef idx="0"/>
+    <cs:effectRef idx="0"/>
+    <cs:fontRef idx="minor">
+      <a:schemeClr val="dk1"/>
+    </cs:fontRef>
+    <cs:spPr>
+      <a:solidFill>
+        <a:schemeClr val="dk1">
+          <a:lumMod val="65000"/>
+          <a:lumOff val="35000"/>
+        </a:schemeClr>
+      </a:solidFill>
+      <a:ln w="9525">
+        <a:solidFill>
+          <a:schemeClr val="tx1">
+            <a:lumMod val="65000"/>
+            <a:lumOff val="35000"/>
+          </a:schemeClr>
+        </a:solidFill>
+      </a:ln>
+    </cs:spPr>
+  </cs:downBar>
+  <cs:dropLine>
+    <cs:lnRef idx="0"/>
+    <cs:fillRef idx="0"/>
+    <cs:effectRef idx="0"/>
+    <cs:fontRef idx="minor">
+      <a:schemeClr val="tx1"/>
+    </cs:fontRef>
+    <cs:spPr>
+      <a:ln w="9525" cap="flat" cmpd="sng" algn="ctr">
+        <a:solidFill>
+          <a:schemeClr val="tx1">
+            <a:lumMod val="35000"/>
+            <a:lumOff val="65000"/>
+          </a:schemeClr>
+        </a:solidFill>
+        <a:round/>
+      </a:ln>
+    </cs:spPr>
+  </cs:dropLine>
+  <cs:errorBar>
+    <cs:lnRef idx="0"/>
+    <cs:fillRef idx="0"/>
+    <cs:effectRef idx="0"/>
+    <cs:fontRef idx="minor">
+      <a:schemeClr val="tx1"/>
+    </cs:fontRef>
+    <cs:spPr>
+      <a:ln w="9525" cap="flat" cmpd="sng" algn="ctr">
+        <a:solidFill>
+          <a:schemeClr val="tx1">
+            <a:lumMod val="65000"/>
+            <a:lumOff val="35000"/>
+          </a:schemeClr>
+        </a:solidFill>
+        <a:round/>
+      </a:ln>
+    </cs:spPr>
+  </cs:errorBar>
+  <cs:floor>
+    <cs:lnRef idx="0"/>
+    <cs:fillRef idx="0"/>
+    <cs:effectRef idx="0"/>
+    <cs:fontRef idx="minor">
+      <a:schemeClr val="tx1"/>
+    </cs:fontRef>
+    <cs:spPr>
+      <a:noFill/>
+      <a:ln>
+        <a:noFill/>
+      </a:ln>
+    </cs:spPr>
+  </cs:floor>
+  <cs:gridlineMajor>
+    <cs:lnRef idx="0"/>
+    <cs:fillRef idx="0"/>
+    <cs:effectRef idx="0"/>
+    <cs:fontRef idx="minor">
+      <a:schemeClr val="tx1"/>
+    </cs:fontRef>
+    <cs:spPr>
+      <a:ln w="9525" cap="flat" cmpd="sng" algn="ctr">
+        <a:solidFill>
+          <a:schemeClr val="tx1">
+            <a:lumMod val="15000"/>
+            <a:lumOff val="85000"/>
+          </a:schemeClr>
+        </a:solidFill>
+        <a:round/>
+      </a:ln>
+    </cs:spPr>
+  </cs:gridlineMajor>
+  <cs:gridlineMinor>
+    <cs:lnRef idx="0"/>
+    <cs:fillRef idx="0"/>
+    <cs:effectRef idx="0"/>
+    <cs:fontRef idx="minor">
+      <a:schemeClr val="tx1"/>
+    </cs:fontRef>
+    <cs:spPr>
+      <a:ln w="9525" cap="flat" cmpd="sng" algn="ctr">
+        <a:solidFill>
+          <a:schemeClr val="tx1">
+            <a:lumMod val="5000"/>
+            <a:lumOff val="95000"/>
+          </a:schemeClr>
+        </a:solidFill>
+        <a:round/>
+      </a:ln>
+    </cs:spPr>
+  </cs:gridlineMinor>
+  <cs:hiLoLine>
+    <cs:lnRef idx="0"/>
+    <cs:fillRef idx="0"/>
+    <cs:effectRef idx="0"/>
+    <cs:fontRef idx="minor">
+      <a:schemeClr val="tx1"/>
+    </cs:fontRef>
+    <cs:spPr>
+      <a:ln w="9525" cap="flat" cmpd="sng" algn="ctr">
+        <a:solidFill>
+          <a:schemeClr val="tx1">
+            <a:lumMod val="75000"/>
+            <a:lumOff val="25000"/>
+          </a:schemeClr>
+        </a:solidFill>
+        <a:round/>
+      </a:ln>
+    </cs:spPr>
+  </cs:hiLoLine>
+  <cs:leaderLine>
+    <cs:lnRef idx="0"/>
+    <cs:fillRef idx="0"/>
+    <cs:effectRef idx="0"/>
+    <cs:fontRef idx="minor">
+      <a:schemeClr val="tx1"/>
+    </cs:fontRef>
+    <cs:spPr>
+      <a:ln w="9525" cap="flat" cmpd="sng" algn="ctr">
+        <a:solidFill>
+          <a:schemeClr val="tx1">
+            <a:lumMod val="35000"/>
+            <a:lumOff val="65000"/>
+          </a:schemeClr>
+        </a:solidFill>
+        <a:round/>
+      </a:ln>
+    </cs:spPr>
+  </cs:leaderLine>
+  <cs:legend>
+    <cs:lnRef idx="0"/>
+    <cs:fillRef idx="0"/>
+    <cs:effectRef idx="0"/>
+    <cs:fontRef idx="minor">
+      <a:schemeClr val="tx1">
+        <a:lumMod val="65000"/>
+        <a:lumOff val="35000"/>
+      </a:schemeClr>
+    </cs:fontRef>
+    <cs:defRPr sz="900" kern="1200"/>
+  </cs:legend>
+  <cs:plotArea mods="allowNoFillOverride allowNoLineOverride">
+    <cs:lnRef idx="0"/>
+    <cs:fillRef idx="0"/>
+    <cs:effectRef idx="0"/>
+    <cs:fontRef idx="minor">
+      <a:schemeClr val="tx1"/>
+    </cs:fontRef>
+  </cs:plotArea>
+  <cs:plotArea3D mods="allowNoFillOverride allowNoLineOverride">
+    <cs:lnRef idx="0"/>
+    <cs:fillRef idx="0"/>
+    <cs:effectRef idx="0"/>
+    <cs:fontRef idx="minor">
+      <a:schemeClr val="tx1"/>
+    </cs:fontRef>
+  </cs:plotArea3D>
+  <cs:seriesAxis>
+    <cs:lnRef idx="0"/>
+    <cs:fillRef idx="0"/>
+    <cs:effectRef idx="0"/>
+    <cs:fontRef idx="minor">
+      <a:schemeClr val="tx1">
+        <a:lumMod val="65000"/>
+        <a:lumOff val="35000"/>
+      </a:schemeClr>
+    </cs:fontRef>
+    <cs:defRPr sz="900" kern="1200"/>
+  </cs:seriesAxis>
+  <cs:seriesLine>
+    <cs:lnRef idx="0"/>
+    <cs:fillRef idx="0"/>
+    <cs:effectRef idx="0"/>
+    <cs:fontRef idx="minor">
+      <a:schemeClr val="tx1"/>
+    </cs:fontRef>
+    <cs:spPr>
+      <a:ln w="9525" cap="flat" cmpd="sng" algn="ctr">
+        <a:solidFill>
+          <a:schemeClr val="tx1">
+            <a:lumMod val="35000"/>
+            <a:lumOff val="65000"/>
+          </a:schemeClr>
+        </a:solidFill>
+        <a:round/>
+      </a:ln>
+    </cs:spPr>
+  </cs:seriesLine>
+  <cs:title>
+    <cs:lnRef idx="0"/>
+    <cs:fillRef idx="0"/>
+    <cs:effectRef idx="0"/>
+    <cs:fontRef idx="minor">
+      <a:schemeClr val="tx1">
+        <a:lumMod val="65000"/>
+        <a:lumOff val="35000"/>
+      </a:schemeClr>
+    </cs:fontRef>
+    <cs:defRPr sz="1400" b="0" kern="1200" spc="0" baseline="0"/>
+  </cs:title>
+  <cs:trendline>
+    <cs:lnRef idx="0">
+      <cs:styleClr val="auto"/>
+    </cs:lnRef>
+    <cs:fillRef idx="0"/>
+    <cs:effectRef idx="0"/>
+    <cs:fontRef idx="minor">
+      <a:schemeClr val="tx1"/>
+    </cs:fontRef>
+    <cs:spPr>
+      <a:ln w="19050" cap="rnd">
+        <a:solidFill>
+          <a:schemeClr val="phClr"/>
+        </a:solidFill>
+        <a:prstDash val="sysDot"/>
+      </a:ln>
+    </cs:spPr>
+  </cs:trendline>
+  <cs:trendlineLabel>
+    <cs:lnRef idx="0"/>
+    <cs:fillRef idx="0"/>
+    <cs:effectRef idx="0"/>
+    <cs:fontRef idx="minor">
+      <a:schemeClr val="tx1">
+        <a:lumMod val="65000"/>
+        <a:lumOff val="35000"/>
+      </a:schemeClr>
+    </cs:fontRef>
+    <cs:defRPr sz="900" kern="1200"/>
+  </cs:trendlineLabel>
+  <cs:upBar>
+    <cs:lnRef idx="0"/>
+    <cs:fillRef idx="0"/>
+    <cs:effectRef idx="0"/>
+    <cs:fontRef idx="minor">
+      <a:schemeClr val="dk1"/>
+    </cs:fontRef>
+    <cs:spPr>
+      <a:solidFill>
+        <a:schemeClr val="lt1"/>
+      </a:solidFill>
+      <a:ln w="9525">
+        <a:solidFill>
+          <a:schemeClr val="tx1">
+            <a:lumMod val="15000"/>
+            <a:lumOff val="85000"/>
+          </a:schemeClr>
+        </a:solidFill>
+      </a:ln>
+    </cs:spPr>
+  </cs:upBar>
+  <cs:valueAxis>
+    <cs:lnRef idx="0"/>
+    <cs:fillRef idx="0"/>
+    <cs:effectRef idx="0"/>
+    <cs:fontRef idx="minor">
+      <a:schemeClr val="tx1">
+        <a:lumMod val="65000"/>
+        <a:lumOff val="35000"/>
+      </a:schemeClr>
+    </cs:fontRef>
+    <cs:defRPr sz="900" kern="1200"/>
+  </cs:valueAxis>
+  <cs:wall>
+    <cs:lnRef idx="0"/>
+    <cs:fillRef idx="0"/>
+    <cs:effectRef idx="0"/>
+    <cs:fontRef idx="minor">
+      <a:schemeClr val="tx1"/>
+    </cs:fontRef>
+    <cs:spPr>
+      <a:noFill/>
+      <a:ln>
+        <a:noFill/>
+      </a:ln>
+    </cs:spPr>
+  </cs:wall>
+</cs:chartStyle>
 </file>
 
 <file path=ppt/slideLayouts/slideLayout1.xml><?xml version="1.0" encoding="utf-8"?>
@@ -246,7 +1192,7 @@
           <a:p>
             <a:fld id="{09A4ACFC-AAB1-4DCD-ACE4-B1A8860AE0F3}" type="datetimeFigureOut">
               <a:rPr lang="es-ES" smtClean="0"/>
-              <a:t>28/05/2019</a:t>
+              <a:t>29/05/2019</a:t>
             </a:fld>
             <a:endParaRPr lang="es-ES"/>
           </a:p>
@@ -416,7 +1362,7 @@
           <a:p>
             <a:fld id="{09A4ACFC-AAB1-4DCD-ACE4-B1A8860AE0F3}" type="datetimeFigureOut">
               <a:rPr lang="es-ES" smtClean="0"/>
-              <a:t>28/05/2019</a:t>
+              <a:t>29/05/2019</a:t>
             </a:fld>
             <a:endParaRPr lang="es-ES"/>
           </a:p>
@@ -596,7 +1542,7 @@
           <a:p>
             <a:fld id="{09A4ACFC-AAB1-4DCD-ACE4-B1A8860AE0F3}" type="datetimeFigureOut">
               <a:rPr lang="es-ES" smtClean="0"/>
-              <a:t>28/05/2019</a:t>
+              <a:t>29/05/2019</a:t>
             </a:fld>
             <a:endParaRPr lang="es-ES"/>
           </a:p>
@@ -766,7 +1712,7 @@
           <a:p>
             <a:fld id="{09A4ACFC-AAB1-4DCD-ACE4-B1A8860AE0F3}" type="datetimeFigureOut">
               <a:rPr lang="es-ES" smtClean="0"/>
-              <a:t>28/05/2019</a:t>
+              <a:t>29/05/2019</a:t>
             </a:fld>
             <a:endParaRPr lang="es-ES"/>
           </a:p>
@@ -1012,7 +1958,7 @@
           <a:p>
             <a:fld id="{09A4ACFC-AAB1-4DCD-ACE4-B1A8860AE0F3}" type="datetimeFigureOut">
               <a:rPr lang="es-ES" smtClean="0"/>
-              <a:t>28/05/2019</a:t>
+              <a:t>29/05/2019</a:t>
             </a:fld>
             <a:endParaRPr lang="es-ES"/>
           </a:p>
@@ -1244,7 +2190,7 @@
           <a:p>
             <a:fld id="{09A4ACFC-AAB1-4DCD-ACE4-B1A8860AE0F3}" type="datetimeFigureOut">
               <a:rPr lang="es-ES" smtClean="0"/>
-              <a:t>28/05/2019</a:t>
+              <a:t>29/05/2019</a:t>
             </a:fld>
             <a:endParaRPr lang="es-ES"/>
           </a:p>
@@ -1611,7 +2557,7 @@
           <a:p>
             <a:fld id="{09A4ACFC-AAB1-4DCD-ACE4-B1A8860AE0F3}" type="datetimeFigureOut">
               <a:rPr lang="es-ES" smtClean="0"/>
-              <a:t>28/05/2019</a:t>
+              <a:t>29/05/2019</a:t>
             </a:fld>
             <a:endParaRPr lang="es-ES"/>
           </a:p>
@@ -1729,7 +2675,7 @@
           <a:p>
             <a:fld id="{09A4ACFC-AAB1-4DCD-ACE4-B1A8860AE0F3}" type="datetimeFigureOut">
               <a:rPr lang="es-ES" smtClean="0"/>
-              <a:t>28/05/2019</a:t>
+              <a:t>29/05/2019</a:t>
             </a:fld>
             <a:endParaRPr lang="es-ES"/>
           </a:p>
@@ -1824,7 +2770,7 @@
           <a:p>
             <a:fld id="{09A4ACFC-AAB1-4DCD-ACE4-B1A8860AE0F3}" type="datetimeFigureOut">
               <a:rPr lang="es-ES" smtClean="0"/>
-              <a:t>28/05/2019</a:t>
+              <a:t>29/05/2019</a:t>
             </a:fld>
             <a:endParaRPr lang="es-ES"/>
           </a:p>
@@ -2101,7 +3047,7 @@
           <a:p>
             <a:fld id="{09A4ACFC-AAB1-4DCD-ACE4-B1A8860AE0F3}" type="datetimeFigureOut">
               <a:rPr lang="es-ES" smtClean="0"/>
-              <a:t>28/05/2019</a:t>
+              <a:t>29/05/2019</a:t>
             </a:fld>
             <a:endParaRPr lang="es-ES"/>
           </a:p>
@@ -2354,7 +3300,7 @@
           <a:p>
             <a:fld id="{09A4ACFC-AAB1-4DCD-ACE4-B1A8860AE0F3}" type="datetimeFigureOut">
               <a:rPr lang="es-ES" smtClean="0"/>
-              <a:t>28/05/2019</a:t>
+              <a:t>29/05/2019</a:t>
             </a:fld>
             <a:endParaRPr lang="es-ES"/>
           </a:p>
@@ -2567,7 +3513,7 @@
           <a:p>
             <a:fld id="{09A4ACFC-AAB1-4DCD-ACE4-B1A8860AE0F3}" type="datetimeFigureOut">
               <a:rPr lang="es-ES" smtClean="0"/>
-              <a:t>28/05/2019</a:t>
+              <a:t>29/05/2019</a:t>
             </a:fld>
             <a:endParaRPr lang="es-ES"/>
           </a:p>
@@ -4351,7 +5297,7 @@
             <p:ph idx="1"/>
             <p:extLst>
               <p:ext uri="{D42A27DB-BD31-4B8C-83A1-F6EECF244321}">
-                <p14:modId xmlns:p14="http://schemas.microsoft.com/office/powerpoint/2010/main" val="2857279194"/>
+                <p14:modId xmlns:p14="http://schemas.microsoft.com/office/powerpoint/2010/main" val="3722553736"/>
               </p:ext>
             </p:extLst>
           </p:nvPr>
@@ -4429,12 +5375,12 @@
                     <a:lstStyle/>
                     <a:p>
                       <a:r>
-                        <a:rPr lang="es-ES" sz="2400" dirty="0" err="1"/>
-                        <a:t>Interfáz</a:t>
+                        <a:rPr lang="es-ES" sz="2400" dirty="0" smtClean="0"/>
+                        <a:t>Interfaz </a:t>
                       </a:r>
                       <a:r>
                         <a:rPr lang="es-ES" sz="2400" dirty="0"/>
-                        <a:t> Búsqueda</a:t>
+                        <a:t>Búsqueda</a:t>
                       </a:r>
                     </a:p>
                   </a:txBody>
@@ -5590,21 +6536,28 @@
       </p:sp>
       <p:pic>
         <p:nvPicPr>
-          <p:cNvPr id="8" name="Imagen 7"/>
+          <p:cNvPr id="4" name="Imagen 3"/>
           <p:cNvPicPr>
             <a:picLocks noChangeAspect="1"/>
           </p:cNvPicPr>
           <p:nvPr/>
         </p:nvPicPr>
-        <p:blipFill rotWithShape="1">
-          <a:blip r:embed="rId2"/>
-          <a:srcRect l="8353" t="9687" r="63294" b="3907"/>
-          <a:stretch/>
+        <p:blipFill>
+          <a:blip r:embed="rId2">
+            <a:extLst>
+              <a:ext uri="{28A0092B-C50C-407E-A947-70E740481C1C}">
+                <a14:useLocalDpi xmlns:a14="http://schemas.microsoft.com/office/drawing/2010/main" val="0"/>
+              </a:ext>
+            </a:extLst>
+          </a:blip>
+          <a:stretch>
+            <a:fillRect/>
+          </a:stretch>
         </p:blipFill>
         <p:spPr>
           <a:xfrm>
-            <a:off x="5617661" y="164021"/>
-            <a:ext cx="5561617" cy="6380859"/>
+            <a:off x="1328737" y="90487"/>
+            <a:ext cx="9534525" cy="6677025"/>
           </a:xfrm>
           <a:prstGeom prst="rect">
             <a:avLst/>
@@ -5615,105 +6568,6 @@
     <p:extLst>
       <p:ext uri="{BB962C8B-B14F-4D97-AF65-F5344CB8AC3E}">
         <p14:creationId xmlns:p14="http://schemas.microsoft.com/office/powerpoint/2010/main" val="2644188586"/>
-      </p:ext>
-    </p:extLst>
-  </p:cSld>
-  <p:clrMapOvr>
-    <a:masterClrMapping/>
-  </p:clrMapOvr>
-</p:sld>
-</file>
-
-<file path=ppt/slides/slide8.xml><?xml version="1.0" encoding="utf-8"?>
-<p:sld xmlns:a="http://schemas.openxmlformats.org/drawingml/2006/main" xmlns:r="http://schemas.openxmlformats.org/officeDocument/2006/relationships" xmlns:p="http://schemas.openxmlformats.org/presentationml/2006/main">
-  <p:cSld>
-    <p:spTree>
-      <p:nvGrpSpPr>
-        <p:cNvPr id="1" name=""/>
-        <p:cNvGrpSpPr/>
-        <p:nvPr/>
-      </p:nvGrpSpPr>
-      <p:grpSpPr>
-        <a:xfrm>
-          <a:off x="0" y="0"/>
-          <a:ext cx="0" cy="0"/>
-          <a:chOff x="0" y="0"/>
-          <a:chExt cx="0" cy="0"/>
-        </a:xfrm>
-      </p:grpSpPr>
-      <p:sp>
-        <p:nvSpPr>
-          <p:cNvPr id="2" name="Título 1"/>
-          <p:cNvSpPr>
-            <a:spLocks noGrp="1"/>
-          </p:cNvSpPr>
-          <p:nvPr>
-            <p:ph type="title"/>
-          </p:nvPr>
-        </p:nvSpPr>
-        <p:spPr/>
-        <p:txBody>
-          <a:bodyPr/>
-          <a:lstStyle/>
-          <a:p>
-            <a:r>
-              <a:rPr lang="es-ES" dirty="0" smtClean="0"/>
-              <a:t>Diagrama de </a:t>
-            </a:r>
-            <a:r>
-              <a:rPr lang="es-ES" dirty="0" err="1" smtClean="0"/>
-              <a:t>Colaboracion</a:t>
-            </a:r>
-            <a:endParaRPr lang="es-ES" dirty="0"/>
-          </a:p>
-        </p:txBody>
-      </p:sp>
-      <p:sp>
-        <p:nvSpPr>
-          <p:cNvPr id="3" name="Marcador de contenido 2"/>
-          <p:cNvSpPr>
-            <a:spLocks noGrp="1"/>
-          </p:cNvSpPr>
-          <p:nvPr>
-            <p:ph idx="1"/>
-          </p:nvPr>
-        </p:nvSpPr>
-        <p:spPr/>
-        <p:txBody>
-          <a:bodyPr/>
-          <a:lstStyle/>
-          <a:p>
-            <a:endParaRPr lang="es-ES"/>
-          </a:p>
-        </p:txBody>
-      </p:sp>
-      <p:pic>
-        <p:nvPicPr>
-          <p:cNvPr id="4" name="Imagen 3"/>
-          <p:cNvPicPr>
-            <a:picLocks noChangeAspect="1"/>
-          </p:cNvPicPr>
-          <p:nvPr/>
-        </p:nvPicPr>
-        <p:blipFill rotWithShape="1">
-          <a:blip r:embed="rId2"/>
-          <a:srcRect l="5294" t="26875" r="58706" b="8750"/>
-          <a:stretch/>
-        </p:blipFill>
-        <p:spPr>
-          <a:xfrm>
-            <a:off x="1752600" y="365125"/>
-            <a:ext cx="9326880" cy="6278880"/>
-          </a:xfrm>
-          <a:prstGeom prst="rect">
-            <a:avLst/>
-          </a:prstGeom>
-        </p:spPr>
-      </p:pic>
-    </p:spTree>
-    <p:extLst>
-      <p:ext uri="{BB962C8B-B14F-4D97-AF65-F5344CB8AC3E}">
-        <p14:creationId xmlns:p14="http://schemas.microsoft.com/office/powerpoint/2010/main" val="158030889"/>
       </p:ext>
     </p:extLst>
   </p:cSld>
@@ -5798,6 +6652,167 @@
 </p:sld>
 </file>
 
+<file path=ppt/slides/slide8.xml><?xml version="1.0" encoding="utf-8"?>
+<p:sld xmlns:a="http://schemas.openxmlformats.org/drawingml/2006/main" xmlns:r="http://schemas.openxmlformats.org/officeDocument/2006/relationships" xmlns:p="http://schemas.openxmlformats.org/presentationml/2006/main">
+  <p:cSld>
+    <p:spTree>
+      <p:nvGrpSpPr>
+        <p:cNvPr id="1" name=""/>
+        <p:cNvGrpSpPr/>
+        <p:nvPr/>
+      </p:nvGrpSpPr>
+      <p:grpSpPr>
+        <a:xfrm>
+          <a:off x="0" y="0"/>
+          <a:ext cx="0" cy="0"/>
+          <a:chOff x="0" y="0"/>
+          <a:chExt cx="0" cy="0"/>
+        </a:xfrm>
+      </p:grpSpPr>
+      <p:sp>
+        <p:nvSpPr>
+          <p:cNvPr id="2" name="Título 1"/>
+          <p:cNvSpPr>
+            <a:spLocks noGrp="1"/>
+          </p:cNvSpPr>
+          <p:nvPr>
+            <p:ph type="title"/>
+          </p:nvPr>
+        </p:nvSpPr>
+        <p:spPr/>
+        <p:txBody>
+          <a:bodyPr/>
+          <a:lstStyle/>
+          <a:p>
+            <a:r>
+              <a:rPr lang="es-ES" dirty="0" smtClean="0"/>
+              <a:t>Diagrama de </a:t>
+            </a:r>
+            <a:r>
+              <a:rPr lang="es-ES" dirty="0" err="1" smtClean="0"/>
+              <a:t>Colaboracion</a:t>
+            </a:r>
+            <a:endParaRPr lang="es-ES" dirty="0"/>
+          </a:p>
+        </p:txBody>
+      </p:sp>
+      <p:pic>
+        <p:nvPicPr>
+          <p:cNvPr id="5" name="Marcador de contenido 4"/>
+          <p:cNvPicPr>
+            <a:picLocks noGrp="1" noChangeAspect="1"/>
+          </p:cNvPicPr>
+          <p:nvPr>
+            <p:ph idx="1"/>
+          </p:nvPr>
+        </p:nvPicPr>
+        <p:blipFill>
+          <a:blip r:embed="rId2">
+            <a:extLst>
+              <a:ext uri="{28A0092B-C50C-407E-A947-70E740481C1C}">
+                <a14:useLocalDpi xmlns:a14="http://schemas.microsoft.com/office/drawing/2010/main" val="0"/>
+              </a:ext>
+            </a:extLst>
+          </a:blip>
+          <a:stretch>
+            <a:fillRect/>
+          </a:stretch>
+        </p:blipFill>
+        <p:spPr>
+          <a:xfrm>
+            <a:off x="-1" y="1"/>
+            <a:ext cx="11947407" cy="6858000"/>
+          </a:xfrm>
+        </p:spPr>
+      </p:pic>
+    </p:spTree>
+    <p:extLst>
+      <p:ext uri="{BB962C8B-B14F-4D97-AF65-F5344CB8AC3E}">
+        <p14:creationId xmlns:p14="http://schemas.microsoft.com/office/powerpoint/2010/main" val="158030889"/>
+      </p:ext>
+    </p:extLst>
+  </p:cSld>
+  <p:clrMapOvr>
+    <a:masterClrMapping/>
+  </p:clrMapOvr>
+  <p:timing>
+    <p:tnLst>
+      <p:par>
+        <p:cTn id="1" dur="indefinite" restart="never" nodeType="tmRoot">
+          <p:childTnLst>
+            <p:seq concurrent="1" nextAc="seek">
+              <p:cTn id="2" dur="indefinite" nodeType="mainSeq">
+                <p:childTnLst>
+                  <p:par>
+                    <p:cTn id="3" fill="hold">
+                      <p:stCondLst>
+                        <p:cond delay="indefinite"/>
+                      </p:stCondLst>
+                      <p:childTnLst>
+                        <p:par>
+                          <p:cTn id="4" fill="hold">
+                            <p:stCondLst>
+                              <p:cond delay="0"/>
+                            </p:stCondLst>
+                            <p:childTnLst>
+                              <p:par>
+                                <p:cTn id="5" presetID="1" presetClass="entr" presetSubtype="0" fill="hold" nodeType="clickEffect">
+                                  <p:stCondLst>
+                                    <p:cond delay="0"/>
+                                  </p:stCondLst>
+                                  <p:childTnLst>
+                                    <p:set>
+                                      <p:cBhvr>
+                                        <p:cTn id="6" dur="1" fill="hold">
+                                          <p:stCondLst>
+                                            <p:cond delay="0"/>
+                                          </p:stCondLst>
+                                        </p:cTn>
+                                        <p:tgtEl>
+                                          <p:spTgt spid="5"/>
+                                        </p:tgtEl>
+                                        <p:attrNameLst>
+                                          <p:attrName>style.visibility</p:attrName>
+                                        </p:attrNameLst>
+                                      </p:cBhvr>
+                                      <p:to>
+                                        <p:strVal val="visible"/>
+                                      </p:to>
+                                    </p:set>
+                                  </p:childTnLst>
+                                </p:cTn>
+                              </p:par>
+                            </p:childTnLst>
+                          </p:cTn>
+                        </p:par>
+                      </p:childTnLst>
+                    </p:cTn>
+                  </p:par>
+                </p:childTnLst>
+              </p:cTn>
+              <p:prevCondLst>
+                <p:cond evt="onPrev" delay="0">
+                  <p:tgtEl>
+                    <p:sldTgt/>
+                  </p:tgtEl>
+                </p:cond>
+              </p:prevCondLst>
+              <p:nextCondLst>
+                <p:cond evt="onNext" delay="0">
+                  <p:tgtEl>
+                    <p:sldTgt/>
+                  </p:tgtEl>
+                </p:cond>
+              </p:nextCondLst>
+            </p:seq>
+          </p:childTnLst>
+        </p:cTn>
+      </p:par>
+    </p:tnLst>
+  </p:timing>
+</p:sld>
+</file>
+
 <file path=ppt/slides/slide9.xml><?xml version="1.0" encoding="utf-8"?>
 <p:sld xmlns:a="http://schemas.openxmlformats.org/drawingml/2006/main" xmlns:r="http://schemas.openxmlformats.org/officeDocument/2006/relationships" xmlns:p="http://schemas.openxmlformats.org/presentationml/2006/main">
   <p:cSld>
@@ -5842,35 +6857,30 @@
           </a:p>
         </p:txBody>
       </p:sp>
-      <p:pic>
-        <p:nvPicPr>
-          <p:cNvPr id="4" name="Marcador de contenido 3"/>
-          <p:cNvPicPr>
-            <a:picLocks noGrp="1" noChangeAspect="1"/>
-          </p:cNvPicPr>
-          <p:nvPr>
-            <p:ph idx="1"/>
-          </p:nvPr>
-        </p:nvPicPr>
-        <p:blipFill>
-          <a:blip r:embed="rId2">
-            <a:extLst>
-              <a:ext uri="{28A0092B-C50C-407E-A947-70E740481C1C}">
-                <a14:useLocalDpi xmlns:a14="http://schemas.microsoft.com/office/drawing/2010/main" val="0"/>
-              </a:ext>
-            </a:extLst>
-          </a:blip>
-          <a:stretch>
-            <a:fillRect/>
-          </a:stretch>
-        </p:blipFill>
-        <p:spPr>
-          <a:xfrm>
-            <a:off x="2887717" y="1825625"/>
-            <a:ext cx="6416566" cy="4351338"/>
-          </a:xfrm>
-        </p:spPr>
-      </p:pic>
+      <p:graphicFrame>
+        <p:nvGraphicFramePr>
+          <p:cNvPr id="5" name="Gráfico 4"/>
+          <p:cNvGraphicFramePr>
+            <a:graphicFrameLocks/>
+          </p:cNvGraphicFramePr>
+          <p:nvPr>
+            <p:extLst>
+              <p:ext uri="{D42A27DB-BD31-4B8C-83A1-F6EECF244321}">
+                <p14:modId xmlns:p14="http://schemas.microsoft.com/office/powerpoint/2010/main" val="164480319"/>
+              </p:ext>
+            </p:extLst>
+          </p:nvPr>
+        </p:nvGraphicFramePr>
+        <p:xfrm>
+          <a:off x="1533831" y="1533831"/>
+          <a:ext cx="9608301" cy="4850035"/>
+        </p:xfrm>
+        <a:graphic>
+          <a:graphicData uri="http://schemas.openxmlformats.org/drawingml/2006/chart">
+            <c:chart xmlns:c="http://schemas.openxmlformats.org/drawingml/2006/chart" xmlns:r="http://schemas.openxmlformats.org/officeDocument/2006/relationships" r:id="rId2"/>
+          </a:graphicData>
+        </a:graphic>
+      </p:graphicFrame>
     </p:spTree>
     <p:extLst>
       <p:ext uri="{BB962C8B-B14F-4D97-AF65-F5344CB8AC3E}">
